--- a/2021-04-12to04-16 (A5) C53517 SoftMARS/20_09v01_MarsBaseAlpha_OpeningBriefing.pptx
+++ b/2021-04-12to04-16 (A5) C53517 SoftMARS/20_09v01_MarsBaseAlpha_OpeningBriefing.pptx
@@ -261,7 +261,7 @@
           <a:p>
             <a:fld id="{F319E496-E8FF-4856-B08F-DBE14D18B236}" type="datetimeFigureOut">
               <a:rPr lang="en-US" smtClean="0"/>
-              <a:t>6/7/2021</a:t>
+              <a:t>7/12/2021</a:t>
             </a:fld>
             <a:endParaRPr lang="en-US"/>
           </a:p>
@@ -438,7 +438,7 @@
           <a:p>
             <a:fld id="{4572F63B-EF0F-9942-98B2-F67CC88AF236}" type="datetimeFigureOut">
               <a:rPr lang="en-US" smtClean="0"/>
-              <a:t>6/7/2021</a:t>
+              <a:t>7/12/2021</a:t>
             </a:fld>
             <a:endParaRPr lang="en-US"/>
           </a:p>
@@ -1612,7 +1612,7 @@
               </a14:hiddenLine>
             </a:ext>
             <a:ext uri="{FAA26D3D-D897-4be2-8F04-BA451C77F1D7}">
-              <ma14:placeholderFlag xmlns:ma14="http://schemas.microsoft.com/office/mac/drawingml/2011/main" xmlns="" val="1"/>
+              <ma14:placeholderFlag xmlns="" xmlns:ma14="http://schemas.microsoft.com/office/mac/drawingml/2011/main" val="1"/>
             </a:ext>
           </a:extLst>
         </p:spPr>
@@ -2060,7 +2060,7 @@
               </a14:hiddenLine>
             </a:ext>
             <a:ext uri="{FAA26D3D-D897-4be2-8F04-BA451C77F1D7}">
-              <ma14:placeholderFlag xmlns:ma14="http://schemas.microsoft.com/office/mac/drawingml/2011/main" xmlns="" val="1"/>
+              <ma14:placeholderFlag xmlns="" xmlns:ma14="http://schemas.microsoft.com/office/mac/drawingml/2011/main" val="1"/>
             </a:ext>
           </a:extLst>
         </p:spPr>
@@ -2314,7 +2314,7 @@
               </a14:hiddenLine>
             </a:ext>
             <a:ext uri="{FAA26D3D-D897-4be2-8F04-BA451C77F1D7}">
-              <ma14:placeholderFlag xmlns:ma14="http://schemas.microsoft.com/office/mac/drawingml/2011/main" xmlns="" val="1"/>
+              <ma14:placeholderFlag xmlns="" xmlns:ma14="http://schemas.microsoft.com/office/mac/drawingml/2011/main" val="1"/>
             </a:ext>
           </a:extLst>
         </p:spPr>
@@ -2568,7 +2568,7 @@
               </a14:hiddenLine>
             </a:ext>
             <a:ext uri="{FAA26D3D-D897-4be2-8F04-BA451C77F1D7}">
-              <ma14:placeholderFlag xmlns:ma14="http://schemas.microsoft.com/office/mac/drawingml/2011/main" xmlns="" val="1"/>
+              <ma14:placeholderFlag xmlns="" xmlns:ma14="http://schemas.microsoft.com/office/mac/drawingml/2011/main" val="1"/>
             </a:ext>
           </a:extLst>
         </p:spPr>
@@ -3117,7 +3117,7 @@
               </a14:hiddenLine>
             </a:ext>
             <a:ext uri="{FAA26D3D-D897-4be2-8F04-BA451C77F1D7}">
-              <ma14:placeholderFlag xmlns:ma14="http://schemas.microsoft.com/office/mac/drawingml/2011/main" xmlns="" val="1"/>
+              <ma14:placeholderFlag xmlns="" xmlns:ma14="http://schemas.microsoft.com/office/mac/drawingml/2011/main" val="1"/>
             </a:ext>
           </a:extLst>
         </p:spPr>
@@ -5506,7 +5506,7 @@
         <p:spPr>
           <a:xfrm>
             <a:off x="0" y="0"/>
-            <a:ext cx="9994900" cy="908049"/>
+            <a:ext cx="12192000" cy="908049"/>
           </a:xfrm>
           <a:prstGeom prst="rect">
             <a:avLst/>
@@ -5557,10 +5557,10 @@
       </p:sp>
       <p:pic>
         <p:nvPicPr>
-          <p:cNvPr id="9" name="Picture 2">
+          <p:cNvPr id="13" name="Picture 2">
             <a:extLst>
               <a:ext uri="{FF2B5EF4-FFF2-40B4-BE49-F238E27FC236}">
-                <a16:creationId xmlns:a16="http://schemas.microsoft.com/office/drawing/2014/main" id="{BE68F727-B9D3-4EEB-AB8B-1CED172E44AF}"/>
+                <a16:creationId xmlns:a16="http://schemas.microsoft.com/office/drawing/2014/main" id="{D32B81C3-8382-4113-BAD0-010A13E4DDA8}"/>
               </a:ext>
             </a:extLst>
           </p:cNvPr>
@@ -5572,6 +5572,74 @@
         <p:blipFill>
           <a:blip r:embed="rId16" cstate="print">
             <a:extLst>
+              <a:ext uri="{BEBA8EAE-BF5A-486C-A8C5-ECC9F3942E4B}">
+                <a14:imgProps xmlns:a14="http://schemas.microsoft.com/office/drawing/2010/main">
+                  <a14:imgLayer r:embed="rId17">
+                    <a14:imgEffect>
+                      <a14:backgroundRemoval t="8280" b="89809" l="7505" r="89452">
+                        <a14:foregroundMark x1="11765" y1="60510" x2="22110" y2="29936"/>
+                        <a14:foregroundMark x1="15416" y1="18471" x2="13793" y2="61783"/>
+                        <a14:foregroundMark x1="8722" y1="29936" x2="9331" y2="54140"/>
+                        <a14:foregroundMark x1="7911" y1="33121" x2="9331" y2="56051"/>
+                        <a14:foregroundMark x1="7505" y1="43949" x2="10345" y2="57962"/>
+                        <a14:foregroundMark x1="7911" y1="51592" x2="7911" y2="51592"/>
+                        <a14:foregroundMark x1="8316" y1="53503" x2="8316" y2="54140"/>
+                        <a14:foregroundMark x1="9128" y1="57325" x2="9128" y2="57325"/>
+                        <a14:foregroundMark x1="22718" y1="25478" x2="22718" y2="25478"/>
+                        <a14:foregroundMark x1="7302" y1="76433" x2="9533" y2="75796"/>
+                        <a14:foregroundMark x1="35953" y1="33121" x2="37728" y2="29936"/>
+                        <a14:foregroundMark x1="47606" y1="56051" x2="47059" y2="61783"/>
+                        <a14:foregroundMark x1="47667" y1="55414" x2="47606" y2="56051"/>
+                        <a14:foregroundMark x1="47728" y1="54777" x2="47667" y2="55414"/>
+                        <a14:foregroundMark x1="48276" y1="49045" x2="47728" y2="54777"/>
+                        <a14:foregroundMark x1="56998" y1="61783" x2="67140" y2="61783"/>
+                        <a14:foregroundMark x1="75254" y1="36943" x2="75254" y2="59236"/>
+                        <a14:foregroundMark x1="74848" y1="25478" x2="74848" y2="25478"/>
+                        <a14:foregroundMark x1="82556" y1="41401" x2="87424" y2="61783"/>
+                        <a14:foregroundMark x1="58824" y1="59873" x2="58824" y2="59873"/>
+                        <a14:foregroundMark x1="59026" y1="60510" x2="59026" y2="60510"/>
+                        <a14:foregroundMark x1="58824" y1="61783" x2="58824" y2="61783"/>
+                        <a14:foregroundMark x1="59229" y1="60510" x2="59229" y2="60510"/>
+                        <a14:foregroundMark x1="59229" y1="60510" x2="59229" y2="60510"/>
+                        <a14:foregroundMark x1="8316" y1="29936" x2="22515" y2="59873"/>
+                        <a14:foregroundMark x1="22515" y1="59873" x2="8316" y2="29299"/>
+                        <a14:foregroundMark x1="8316" y1="73885" x2="9128" y2="72611"/>
+                        <a14:foregroundMark x1="30020" y1="47771" x2="30020" y2="47771"/>
+                        <a14:foregroundMark x1="34280" y1="38854" x2="34280" y2="38854"/>
+                        <a14:foregroundMark x1="34686" y1="44586" x2="34686" y2="44586"/>
+                        <a14:foregroundMark x1="34888" y1="44586" x2="34888" y2="44586"/>
+                        <a14:foregroundMark x1="34888" y1="45860" x2="34888" y2="45860"/>
+                        <a14:foregroundMark x1="34888" y1="42038" x2="34888" y2="42038"/>
+                        <a14:foregroundMark x1="34888" y1="32484" x2="34888" y2="32484"/>
+                        <a14:foregroundMark x1="34888" y1="34395" x2="34888" y2="34395"/>
+                        <a14:foregroundMark x1="34888" y1="33758" x2="34686" y2="46497"/>
+                        <a14:foregroundMark x1="34686" y1="33121" x2="34888" y2="36306"/>
+                        <a14:foregroundMark x1="34888" y1="45860" x2="34888" y2="47134"/>
+                        <a14:foregroundMark x1="34888" y1="47771" x2="35091" y2="48408"/>
+                        <a14:backgroundMark x1="47262" y1="54777" x2="47262" y2="54777"/>
+                        <a14:backgroundMark x1="47870" y1="54777" x2="47870" y2="54777"/>
+                        <a14:backgroundMark x1="47667" y1="55414" x2="47667" y2="55414"/>
+                        <a14:backgroundMark x1="47465" y1="56051" x2="47465" y2="56051"/>
+                        <a14:backgroundMark x1="59838" y1="61783" x2="59838" y2="61783"/>
+                        <a14:backgroundMark x1="59635" y1="60510" x2="59635" y2="60510"/>
+                        <a14:backgroundMark x1="59635" y1="61783" x2="59635" y2="61783"/>
+                        <a14:backgroundMark x1="65517" y1="55414" x2="65517" y2="55414"/>
+                        <a14:backgroundMark x1="65517" y1="61146" x2="65517" y2="61146"/>
+                        <a14:backgroundMark x1="65517" y1="61783" x2="65517" y2="61783"/>
+                        <a14:backgroundMark x1="65517" y1="61146" x2="65517" y2="61146"/>
+                        <a14:backgroundMark x1="65517" y1="61783" x2="65517" y2="61783"/>
+                        <a14:backgroundMark x1="65314" y1="61146" x2="65314" y2="61146"/>
+                        <a14:backgroundMark x1="59432" y1="61146" x2="59432" y2="61146"/>
+                        <a14:backgroundMark x1="8722" y1="71975" x2="8722" y2="71975"/>
+                        <a14:backgroundMark x1="9331" y1="71975" x2="9331" y2="71975"/>
+                        <a14:backgroundMark x1="9128" y1="71975" x2="9128" y2="71975"/>
+                        <a14:backgroundMark x1="8114" y1="72611" x2="8114" y2="72611"/>
+                        <a14:backgroundMark x1="35091" y1="48409" x2="35091" y2="50318"/>
+                      </a14:backgroundRemoval>
+                    </a14:imgEffect>
+                  </a14:imgLayer>
+                </a14:imgProps>
+              </a:ext>
               <a:ext uri="{28A0092B-C50C-407E-A947-70E740481C1C}">
                 <a14:useLocalDpi xmlns:a14="http://schemas.microsoft.com/office/drawing/2010/main" val="0"/>
               </a:ext>
@@ -5584,7 +5652,7 @@
         </p:blipFill>
         <p:spPr bwMode="auto">
           <a:xfrm>
-            <a:off x="9443258" y="0"/>
+            <a:off x="9443258" y="21957"/>
             <a:ext cx="2748742" cy="908049"/>
           </a:xfrm>
           <a:prstGeom prst="rect">
@@ -5613,35 +5681,6 @@
               </a14:hiddenLine>
             </a:ext>
           </a:extLst>
-        </p:spPr>
-      </p:pic>
-      <p:pic>
-        <p:nvPicPr>
-          <p:cNvPr id="10" name="Picture 9">
-            <a:extLst>
-              <a:ext uri="{FF2B5EF4-FFF2-40B4-BE49-F238E27FC236}">
-                <a16:creationId xmlns:a16="http://schemas.microsoft.com/office/drawing/2014/main" id="{CE7317E6-2BC9-4091-BF20-ABBFE08BE115}"/>
-              </a:ext>
-            </a:extLst>
-          </p:cNvPr>
-          <p:cNvPicPr>
-            <a:picLocks noChangeAspect="1"/>
-          </p:cNvPicPr>
-          <p:nvPr userDrawn="1"/>
-        </p:nvPicPr>
-        <p:blipFill rotWithShape="1">
-          <a:blip r:embed="rId17"/>
-          <a:srcRect l="19546" r="22589"/>
-          <a:stretch/>
-        </p:blipFill>
-        <p:spPr>
-          <a:xfrm>
-            <a:off x="11927544" y="499752"/>
-            <a:ext cx="158750" cy="188992"/>
-          </a:xfrm>
-          <a:prstGeom prst="rect">
-            <a:avLst/>
-          </a:prstGeom>
         </p:spPr>
       </p:pic>
       <p:sp>
@@ -5994,6 +6033,84 @@
           </a:prstGeom>
         </p:spPr>
       </p:pic>
+      <p:sp>
+        <p:nvSpPr>
+          <p:cNvPr id="4" name="TextBox 3">
+            <a:extLst>
+              <a:ext uri="{FF2B5EF4-FFF2-40B4-BE49-F238E27FC236}">
+                <a16:creationId xmlns:a16="http://schemas.microsoft.com/office/drawing/2014/main" id="{7B1C3F22-7FA0-47B5-A977-F0D9B341A6A5}"/>
+              </a:ext>
+            </a:extLst>
+          </p:cNvPr>
+          <p:cNvSpPr txBox="1"/>
+          <p:nvPr userDrawn="1"/>
+        </p:nvSpPr>
+        <p:spPr>
+          <a:xfrm>
+            <a:off x="10316993" y="614825"/>
+            <a:ext cx="1610551" cy="261610"/>
+          </a:xfrm>
+          <a:prstGeom prst="rect">
+            <a:avLst/>
+          </a:prstGeom>
+          <a:noFill/>
+        </p:spPr>
+        <p:txBody>
+          <a:bodyPr wrap="square" rtlCol="0">
+            <a:spAutoFit/>
+          </a:bodyPr>
+          <a:lstStyle/>
+          <a:p>
+            <a:r>
+              <a:rPr lang="en-ZA" sz="1100" dirty="0">
+                <a:solidFill>
+                  <a:schemeClr val="bg1"/>
+                </a:solidFill>
+              </a:rPr>
+              <a:t>Create | Evolve | Perfect</a:t>
+            </a:r>
+          </a:p>
+        </p:txBody>
+      </p:sp>
+      <p:sp>
+        <p:nvSpPr>
+          <p:cNvPr id="14" name="TextBox 13">
+            <a:extLst>
+              <a:ext uri="{FF2B5EF4-FFF2-40B4-BE49-F238E27FC236}">
+                <a16:creationId xmlns:a16="http://schemas.microsoft.com/office/drawing/2014/main" id="{318C8DCE-B80F-4E81-9623-EF0D27922F8E}"/>
+              </a:ext>
+            </a:extLst>
+          </p:cNvPr>
+          <p:cNvSpPr txBox="1"/>
+          <p:nvPr userDrawn="1"/>
+        </p:nvSpPr>
+        <p:spPr>
+          <a:xfrm>
+            <a:off x="11832867" y="533486"/>
+            <a:ext cx="333925" cy="169277"/>
+          </a:xfrm>
+          <a:prstGeom prst="rect">
+            <a:avLst/>
+          </a:prstGeom>
+          <a:noFill/>
+        </p:spPr>
+        <p:txBody>
+          <a:bodyPr wrap="square" rtlCol="0">
+            <a:spAutoFit/>
+          </a:bodyPr>
+          <a:lstStyle/>
+          <a:p>
+            <a:r>
+              <a:rPr lang="en-ZA" sz="500" b="1" dirty="0">
+                <a:solidFill>
+                  <a:schemeClr val="bg1"/>
+                </a:solidFill>
+              </a:rPr>
+              <a:t>TM</a:t>
+            </a:r>
+          </a:p>
+        </p:txBody>
+      </p:sp>
     </p:spTree>
     <p:extLst>
       <p:ext uri="{BB962C8B-B14F-4D97-AF65-F5344CB8AC3E}">
@@ -12785,18 +12902,18 @@
 </file>
 
 <file path=customXml/item1.xml><?xml version="1.0" encoding="utf-8"?>
-<p:properties xmlns:p="http://schemas.microsoft.com/office/2006/metadata/properties" xmlns:xsi="http://www.w3.org/2001/XMLSchema-instance" xmlns:pc="http://schemas.microsoft.com/office/infopath/2007/PartnerControls">
-  <documentManagement/>
-</p:properties>
-</file>
-
-<file path=customXml/item2.xml><?xml version="1.0" encoding="utf-8"?>
 <?mso-contentType ?>
 <FormTemplates xmlns="http://schemas.microsoft.com/sharepoint/v3/contenttype/forms">
   <Display>DocumentLibraryForm</Display>
   <Edit>DocumentLibraryForm</Edit>
   <New>DocumentLibraryForm</New>
 </FormTemplates>
+</file>
+
+<file path=customXml/item2.xml><?xml version="1.0" encoding="utf-8"?>
+<p:properties xmlns:p="http://schemas.microsoft.com/office/2006/metadata/properties" xmlns:xsi="http://www.w3.org/2001/XMLSchema-instance" xmlns:pc="http://schemas.microsoft.com/office/infopath/2007/PartnerControls">
+  <documentManagement/>
+</p:properties>
 </file>
 
 <file path=customXml/item3.xml><?xml version="1.0" encoding="utf-8"?>
@@ -13011,6 +13128,14 @@
 </file>
 
 <file path=customXml/itemProps1.xml><?xml version="1.0" encoding="utf-8"?>
+<ds:datastoreItem xmlns:ds="http://schemas.openxmlformats.org/officeDocument/2006/customXml" ds:itemID="{B8B49826-D5EE-4D24-B649-7C3A19B527D2}">
+  <ds:schemaRefs>
+    <ds:schemaRef ds:uri="http://schemas.microsoft.com/sharepoint/v3/contenttype/forms"/>
+  </ds:schemaRefs>
+</ds:datastoreItem>
+</file>
+
+<file path=customXml/itemProps2.xml><?xml version="1.0" encoding="utf-8"?>
 <ds:datastoreItem xmlns:ds="http://schemas.openxmlformats.org/officeDocument/2006/customXml" ds:itemID="{5F07B0D7-F930-4230-933E-ABA84959494E}">
   <ds:schemaRefs>
     <ds:schemaRef ds:uri="http://purl.org/dc/terms/"/>
@@ -13021,14 +13146,6 @@
     <ds:schemaRef ds:uri="http://schemas.openxmlformats.org/package/2006/metadata/core-properties"/>
     <ds:schemaRef ds:uri="http://schemas.microsoft.com/office/2006/metadata/properties"/>
     <ds:schemaRef ds:uri="http://purl.org/dc/elements/1.1/"/>
-  </ds:schemaRefs>
-</ds:datastoreItem>
-</file>
-
-<file path=customXml/itemProps2.xml><?xml version="1.0" encoding="utf-8"?>
-<ds:datastoreItem xmlns:ds="http://schemas.openxmlformats.org/officeDocument/2006/customXml" ds:itemID="{B8B49826-D5EE-4D24-B649-7C3A19B527D2}">
-  <ds:schemaRefs>
-    <ds:schemaRef ds:uri="http://schemas.microsoft.com/sharepoint/v3/contenttype/forms"/>
   </ds:schemaRefs>
 </ds:datastoreItem>
 </file>
